--- a/figures/resources/remote_data_access.pptx
+++ b/figures/resources/remote_data_access.pptx
@@ -262,7 +262,7 @@
           <a:p>
             <a:fld id="{750C4F48-5AC2-ED47-9644-5F9E688EC8A9}" type="datetimeFigureOut">
               <a:rPr lang="de-DE" smtClean="0"/>
-              <a:t>19.02.25</a:t>
+              <a:t>20.02.25</a:t>
             </a:fld>
             <a:endParaRPr lang="de-DE"/>
           </a:p>
@@ -462,7 +462,7 @@
           <a:p>
             <a:fld id="{750C4F48-5AC2-ED47-9644-5F9E688EC8A9}" type="datetimeFigureOut">
               <a:rPr lang="de-DE" smtClean="0"/>
-              <a:t>19.02.25</a:t>
+              <a:t>20.02.25</a:t>
             </a:fld>
             <a:endParaRPr lang="de-DE"/>
           </a:p>
@@ -672,7 +672,7 @@
           <a:p>
             <a:fld id="{750C4F48-5AC2-ED47-9644-5F9E688EC8A9}" type="datetimeFigureOut">
               <a:rPr lang="de-DE" smtClean="0"/>
-              <a:t>19.02.25</a:t>
+              <a:t>20.02.25</a:t>
             </a:fld>
             <a:endParaRPr lang="de-DE"/>
           </a:p>
@@ -872,7 +872,7 @@
           <a:p>
             <a:fld id="{750C4F48-5AC2-ED47-9644-5F9E688EC8A9}" type="datetimeFigureOut">
               <a:rPr lang="de-DE" smtClean="0"/>
-              <a:t>19.02.25</a:t>
+              <a:t>20.02.25</a:t>
             </a:fld>
             <a:endParaRPr lang="de-DE"/>
           </a:p>
@@ -1148,7 +1148,7 @@
           <a:p>
             <a:fld id="{750C4F48-5AC2-ED47-9644-5F9E688EC8A9}" type="datetimeFigureOut">
               <a:rPr lang="de-DE" smtClean="0"/>
-              <a:t>19.02.25</a:t>
+              <a:t>20.02.25</a:t>
             </a:fld>
             <a:endParaRPr lang="de-DE"/>
           </a:p>
@@ -1416,7 +1416,7 @@
           <a:p>
             <a:fld id="{750C4F48-5AC2-ED47-9644-5F9E688EC8A9}" type="datetimeFigureOut">
               <a:rPr lang="de-DE" smtClean="0"/>
-              <a:t>19.02.25</a:t>
+              <a:t>20.02.25</a:t>
             </a:fld>
             <a:endParaRPr lang="de-DE"/>
           </a:p>
@@ -1831,7 +1831,7 @@
           <a:p>
             <a:fld id="{750C4F48-5AC2-ED47-9644-5F9E688EC8A9}" type="datetimeFigureOut">
               <a:rPr lang="de-DE" smtClean="0"/>
-              <a:t>19.02.25</a:t>
+              <a:t>20.02.25</a:t>
             </a:fld>
             <a:endParaRPr lang="de-DE"/>
           </a:p>
@@ -1973,7 +1973,7 @@
           <a:p>
             <a:fld id="{750C4F48-5AC2-ED47-9644-5F9E688EC8A9}" type="datetimeFigureOut">
               <a:rPr lang="de-DE" smtClean="0"/>
-              <a:t>19.02.25</a:t>
+              <a:t>20.02.25</a:t>
             </a:fld>
             <a:endParaRPr lang="de-DE"/>
           </a:p>
@@ -2086,7 +2086,7 @@
           <a:p>
             <a:fld id="{750C4F48-5AC2-ED47-9644-5F9E688EC8A9}" type="datetimeFigureOut">
               <a:rPr lang="de-DE" smtClean="0"/>
-              <a:t>19.02.25</a:t>
+              <a:t>20.02.25</a:t>
             </a:fld>
             <a:endParaRPr lang="de-DE"/>
           </a:p>
@@ -2399,7 +2399,7 @@
           <a:p>
             <a:fld id="{750C4F48-5AC2-ED47-9644-5F9E688EC8A9}" type="datetimeFigureOut">
               <a:rPr lang="de-DE" smtClean="0"/>
-              <a:t>19.02.25</a:t>
+              <a:t>20.02.25</a:t>
             </a:fld>
             <a:endParaRPr lang="de-DE"/>
           </a:p>
@@ -2688,7 +2688,7 @@
           <a:p>
             <a:fld id="{750C4F48-5AC2-ED47-9644-5F9E688EC8A9}" type="datetimeFigureOut">
               <a:rPr lang="de-DE" smtClean="0"/>
-              <a:t>19.02.25</a:t>
+              <a:t>20.02.25</a:t>
             </a:fld>
             <a:endParaRPr lang="de-DE"/>
           </a:p>
@@ -2931,7 +2931,7 @@
           <a:p>
             <a:fld id="{750C4F48-5AC2-ED47-9644-5F9E688EC8A9}" type="datetimeFigureOut">
               <a:rPr lang="de-DE" smtClean="0"/>
-              <a:t>19.02.25</a:t>
+              <a:t>20.02.25</a:t>
             </a:fld>
             <a:endParaRPr lang="de-DE"/>
           </a:p>
@@ -3472,8 +3472,8 @@
         </p:blipFill>
         <p:spPr>
           <a:xfrm>
-            <a:off x="4787900" y="835025"/>
-            <a:ext cx="2273300" cy="2286000"/>
+            <a:off x="2605626" y="2496150"/>
+            <a:ext cx="1844194" cy="1854497"/>
           </a:xfrm>
           <a:prstGeom prst="rect">
             <a:avLst/>
@@ -3525,15 +3525,16 @@
             </a:extLst>
           </p:cNvPr>
           <p:cNvCxnSpPr>
-            <a:stCxn id="3" idx="2"/>
+            <a:cxnSpLocks/>
+            <a:stCxn id="3" idx="3"/>
             <a:endCxn id="5" idx="0"/>
           </p:cNvCxnSpPr>
           <p:nvPr/>
         </p:nvCxnSpPr>
         <p:spPr>
           <a:xfrm>
-            <a:off x="5924550" y="3121025"/>
-            <a:ext cx="0" cy="1029731"/>
+            <a:off x="4449820" y="3423399"/>
+            <a:ext cx="1474730" cy="727357"/>
           </a:xfrm>
           <a:prstGeom prst="straightConnector1">
             <a:avLst/>
@@ -3571,7 +3572,7 @@
         </p:nvSpPr>
         <p:spPr>
           <a:xfrm>
-            <a:off x="6200775" y="3238500"/>
+            <a:off x="4687331" y="3745388"/>
             <a:ext cx="576825" cy="369332"/>
           </a:xfrm>
           <a:prstGeom prst="rect">
@@ -3606,7 +3607,7 @@
         </p:nvSpPr>
         <p:spPr>
           <a:xfrm>
-            <a:off x="5162633" y="3446462"/>
+            <a:off x="5090825" y="3238733"/>
             <a:ext cx="453970" cy="369332"/>
           </a:xfrm>
           <a:prstGeom prst="rect">
@@ -3641,8 +3642,8 @@
         </p:nvSpPr>
         <p:spPr>
           <a:xfrm>
-            <a:off x="6076628" y="3560722"/>
-            <a:ext cx="343364" cy="369332"/>
+            <a:off x="5479677" y="3550680"/>
+            <a:ext cx="639482" cy="369332"/>
           </a:xfrm>
           <a:prstGeom prst="rect">
             <a:avLst/>
@@ -3650,7 +3651,7 @@
           <a:noFill/>
         </p:spPr>
         <p:txBody>
-          <a:bodyPr wrap="none" rtlCol="0">
+          <a:bodyPr wrap="square" rtlCol="0">
             <a:spAutoFit/>
           </a:bodyPr>
           <a:lstStyle/>
